--- a/26_05_presentation/26_05_Presentation.pptx
+++ b/26_05_presentation/26_05_Presentation.pptx
@@ -217,7 +217,7 @@
           <a:p>
             <a:fld id="{40029F93-3AE2-4ED3-8D49-9D876DCC48D7}" type="datetimeFigureOut">
               <a:rPr lang="fr-CH" smtClean="0"/>
-              <a:t>26.05.2021</a:t>
+              <a:t>28.05.2021</a:t>
             </a:fld>
             <a:endParaRPr lang="fr-CH"/>
           </a:p>
@@ -1285,7 +1285,7 @@
           <a:p>
             <a:fld id="{02AC24A9-CCB6-4F8D-B8DB-C2F3692CFA5A}" type="datetimeFigureOut">
               <a:rPr lang="en-US" smtClean="0"/>
-              <a:t>5/26/2021</a:t>
+              <a:t>5/28/2021</a:t>
             </a:fld>
             <a:endParaRPr lang="en-US" dirty="0"/>
           </a:p>
@@ -1655,7 +1655,7 @@
           <a:p>
             <a:fld id="{02AC24A9-CCB6-4F8D-B8DB-C2F3692CFA5A}" type="datetimeFigureOut">
               <a:rPr lang="en-US" smtClean="0"/>
-              <a:t>5/26/2021</a:t>
+              <a:t>5/28/2021</a:t>
             </a:fld>
             <a:endParaRPr lang="en-US"/>
           </a:p>
@@ -1864,7 +1864,7 @@
           <a:p>
             <a:fld id="{02AC24A9-CCB6-4F8D-B8DB-C2F3692CFA5A}" type="datetimeFigureOut">
               <a:rPr lang="en-US" smtClean="0"/>
-              <a:t>5/26/2021</a:t>
+              <a:t>5/28/2021</a:t>
             </a:fld>
             <a:endParaRPr lang="en-US"/>
           </a:p>
@@ -2334,7 +2334,7 @@
           <a:p>
             <a:fld id="{02AC24A9-CCB6-4F8D-B8DB-C2F3692CFA5A}" type="datetimeFigureOut">
               <a:rPr lang="en-US" smtClean="0"/>
-              <a:t>5/26/2021</a:t>
+              <a:t>5/28/2021</a:t>
             </a:fld>
             <a:endParaRPr lang="en-US"/>
           </a:p>
@@ -2788,7 +2788,7 @@
           <a:p>
             <a:fld id="{02AC24A9-CCB6-4F8D-B8DB-C2F3692CFA5A}" type="datetimeFigureOut">
               <a:rPr lang="en-US" smtClean="0"/>
-              <a:t>5/26/2021</a:t>
+              <a:t>5/28/2021</a:t>
             </a:fld>
             <a:endParaRPr lang="en-US"/>
           </a:p>
@@ -3320,7 +3320,7 @@
           <a:p>
             <a:fld id="{02AC24A9-CCB6-4F8D-B8DB-C2F3692CFA5A}" type="datetimeFigureOut">
               <a:rPr lang="en-US" smtClean="0"/>
-              <a:t>5/26/2021</a:t>
+              <a:t>5/28/2021</a:t>
             </a:fld>
             <a:endParaRPr lang="en-US"/>
           </a:p>
@@ -4019,7 +4019,7 @@
           <a:p>
             <a:fld id="{02AC24A9-CCB6-4F8D-B8DB-C2F3692CFA5A}" type="datetimeFigureOut">
               <a:rPr lang="en-US" smtClean="0"/>
-              <a:t>5/26/2021</a:t>
+              <a:t>5/28/2021</a:t>
             </a:fld>
             <a:endParaRPr lang="en-US"/>
           </a:p>
@@ -4348,7 +4348,7 @@
           <a:p>
             <a:fld id="{02AC24A9-CCB6-4F8D-B8DB-C2F3692CFA5A}" type="datetimeFigureOut">
               <a:rPr lang="en-US" smtClean="0"/>
-              <a:t>5/26/2021</a:t>
+              <a:t>5/28/2021</a:t>
             </a:fld>
             <a:endParaRPr lang="en-US"/>
           </a:p>
@@ -4461,7 +4461,7 @@
           <a:p>
             <a:fld id="{02AC24A9-CCB6-4F8D-B8DB-C2F3692CFA5A}" type="datetimeFigureOut">
               <a:rPr lang="en-US" smtClean="0"/>
-              <a:t>5/26/2021</a:t>
+              <a:t>5/28/2021</a:t>
             </a:fld>
             <a:endParaRPr lang="en-US"/>
           </a:p>
@@ -4956,7 +4956,7 @@
           <a:p>
             <a:fld id="{02AC24A9-CCB6-4F8D-B8DB-C2F3692CFA5A}" type="datetimeFigureOut">
               <a:rPr lang="en-US" smtClean="0"/>
-              <a:t>5/26/2021</a:t>
+              <a:t>5/28/2021</a:t>
             </a:fld>
             <a:endParaRPr lang="en-US" dirty="0"/>
           </a:p>
@@ -5433,7 +5433,7 @@
           <a:p>
             <a:fld id="{02AC24A9-CCB6-4F8D-B8DB-C2F3692CFA5A}" type="datetimeFigureOut">
               <a:rPr lang="en-US" smtClean="0"/>
-              <a:t>5/26/2021</a:t>
+              <a:t>5/28/2021</a:t>
             </a:fld>
             <a:endParaRPr lang="en-US"/>
           </a:p>
@@ -5676,7 +5676,7 @@
           <a:p>
             <a:fld id="{02AC24A9-CCB6-4F8D-B8DB-C2F3692CFA5A}" type="datetimeFigureOut">
               <a:rPr lang="en-US" smtClean="0"/>
-              <a:t>5/26/2021</a:t>
+              <a:t>5/28/2021</a:t>
             </a:fld>
             <a:endParaRPr lang="en-US"/>
           </a:p>
@@ -6346,7 +6346,7 @@
           <a:p>
             <a:r>
               <a:rPr lang="de-CH" sz="2000" dirty="0"/>
-              <a:t>Fumeaux Gaëtan 	26.05.21</a:t>
+              <a:t>Fumeaux Gaëtan 	28.05.21</a:t>
             </a:r>
             <a:endParaRPr lang="fr-CH" sz="2000" dirty="0"/>
           </a:p>
